--- a/web/studio/ASC.Web.Studio/Products/Files/DocStore/newdocuments/de-DE/new.pptx
+++ b/web/studio/ASC.Web.Studio/Products/Files/DocStore/newdocuments/de-DE/new.pptx
@@ -14,7 +14,7 @@
   <p:notesSz cx="6858000" cy="9144000"/>
   <p:defaultTextStyle>
     <a:defPPr>
-      <a:defRPr lang="ru-RU"/>
+      <a:defRPr lang="de-DE"/>
     </a:defPPr>
     <a:lvl1pPr marL="0" algn="l" defTabSz="914400" rtl="0" eaLnBrk="1" latinLnBrk="0" hangingPunct="1">
       <a:defRPr sz="1800" kern="1200">
@@ -167,7 +167,7 @@
             </a:lvl1pPr>
           </a:lstStyle>
           <a:p>
-            <a:endParaRPr lang="en-US"/>
+            <a:endParaRPr lang="de-DE"/>
           </a:p>
         </p:txBody>
       </p:sp>
@@ -199,10 +199,10 @@
           </a:lstStyle>
           <a:p>
             <a:fld id="{3632E96E-41F7-40C5-8419-297958CC00FA}" type="datetimeFigureOut">
-              <a:rPr lang="en-US" smtClean="0"/>
+              <a:rPr lang="de-DE" smtClean="0"/>
               <a:t>10/30/2013</a:t>
             </a:fld>
-            <a:endParaRPr lang="en-US"/>
+            <a:endParaRPr lang="de-DE"/>
           </a:p>
         </p:txBody>
       </p:sp>
@@ -235,7 +235,7 @@
           <a:bodyPr vert="horz" lIns="91440" tIns="45720" rIns="91440" bIns="45720" rtlCol="0" anchor="ctr"/>
           <a:lstStyle/>
           <a:p>
-            <a:endParaRPr lang="en-US"/>
+            <a:endParaRPr lang="de-DE"/>
           </a:p>
         </p:txBody>
       </p:sp>
@@ -264,38 +264,38 @@
           <a:p>
             <a:pPr lvl="0"/>
             <a:r>
-              <a:rPr lang="en-US" smtClean="0"/>
+              <a:rPr lang="de-DE" smtClean="0"/>
               <a:t>Click to edit Master text styles</a:t>
             </a:r>
           </a:p>
           <a:p>
             <a:pPr lvl="1"/>
             <a:r>
-              <a:rPr lang="en-US" smtClean="0"/>
+              <a:rPr lang="de-DE" smtClean="0"/>
               <a:t>Second level</a:t>
             </a:r>
           </a:p>
           <a:p>
             <a:pPr lvl="2"/>
             <a:r>
-              <a:rPr lang="en-US" smtClean="0"/>
+              <a:rPr lang="de-DE" smtClean="0"/>
               <a:t>Third level</a:t>
             </a:r>
           </a:p>
           <a:p>
             <a:pPr lvl="3"/>
             <a:r>
-              <a:rPr lang="en-US" smtClean="0"/>
+              <a:rPr lang="de-DE" smtClean="0"/>
               <a:t>Fourth level</a:t>
             </a:r>
           </a:p>
           <a:p>
             <a:pPr lvl="4"/>
             <a:r>
-              <a:rPr lang="en-US" smtClean="0"/>
+              <a:rPr lang="de-DE" smtClean="0"/>
               <a:t>Fifth level</a:t>
             </a:r>
-            <a:endParaRPr lang="en-US"/>
+            <a:endParaRPr lang="de-DE"/>
           </a:p>
         </p:txBody>
       </p:sp>
@@ -326,7 +326,7 @@
             </a:lvl1pPr>
           </a:lstStyle>
           <a:p>
-            <a:endParaRPr lang="en-US"/>
+            <a:endParaRPr lang="de-DE"/>
           </a:p>
         </p:txBody>
       </p:sp>
@@ -358,10 +358,10 @@
           </a:lstStyle>
           <a:p>
             <a:fld id="{2E6999B8-B6B4-4561-A3CD-BBCDAB9FC9D9}" type="slidenum">
-              <a:rPr lang="en-US" smtClean="0"/>
+              <a:rPr lang="de-DE" smtClean="0"/>
               <a:t>‹#›</a:t>
             </a:fld>
-            <a:endParaRPr lang="en-US"/>
+            <a:endParaRPr lang="de-DE"/>
           </a:p>
         </p:txBody>
       </p:sp>
@@ -517,7 +517,7 @@
           <a:bodyPr/>
           <a:lstStyle/>
           <a:p>
-            <a:endParaRPr lang="en-US" dirty="0">
+            <a:endParaRPr lang="de-DE" dirty="0">
               <a:latin typeface="Arial" panose="020B0604020202020204" pitchFamily="34" charset="0"/>
               <a:cs typeface="Arial" panose="020B0604020202020204" pitchFamily="34" charset="0"/>
             </a:endParaRPr>
@@ -540,10 +540,10 @@
           <a:lstStyle/>
           <a:p>
             <a:fld id="{2E6999B8-B6B4-4561-A3CD-BBCDAB9FC9D9}" type="slidenum">
-              <a:rPr lang="en-US" smtClean="0"/>
+              <a:rPr lang="de-DE" smtClean="0"/>
               <a:t>1</a:t>
             </a:fld>
-            <a:endParaRPr lang="en-US"/>
+            <a:endParaRPr lang="de-DE"/>
           </a:p>
         </p:txBody>
       </p:sp>
@@ -602,10 +602,10 @@
           </a:lstStyle>
           <a:p>
             <a:r>
-              <a:rPr lang="en-US" smtClean="0"/>
+              <a:rPr lang="de-DE" smtClean="0"/>
               <a:t>Click to edit Master title style</a:t>
             </a:r>
-            <a:endParaRPr lang="en-US" dirty="0"/>
+            <a:endParaRPr lang="de-DE" dirty="0"/>
           </a:p>
         </p:txBody>
       </p:sp>
@@ -667,10 +667,10 @@
           </a:lstStyle>
           <a:p>
             <a:r>
-              <a:rPr lang="en-US" smtClean="0"/>
+              <a:rPr lang="de-DE" smtClean="0"/>
               <a:t>Click to edit Master subtitle style</a:t>
             </a:r>
-            <a:endParaRPr lang="en-US" dirty="0"/>
+            <a:endParaRPr lang="de-DE" dirty="0"/>
           </a:p>
         </p:txBody>
       </p:sp>
@@ -690,10 +690,10 @@
           <a:lstStyle/>
           <a:p>
             <a:fld id="{BCC18F51-09EC-435C-A3BA-64A766E099C0}" type="datetimeFigureOut">
-              <a:rPr lang="ru-RU" smtClean="0"/>
+              <a:rPr lang="de-DE" smtClean="0"/>
               <a:t>30.10.2013</a:t>
             </a:fld>
-            <a:endParaRPr lang="ru-RU"/>
+            <a:endParaRPr lang="de-DE"/>
           </a:p>
         </p:txBody>
       </p:sp>
@@ -712,7 +712,7 @@
           <a:bodyPr/>
           <a:lstStyle/>
           <a:p>
-            <a:endParaRPr lang="ru-RU"/>
+            <a:endParaRPr lang="de-DE"/>
           </a:p>
         </p:txBody>
       </p:sp>
@@ -732,10 +732,10 @@
           <a:lstStyle/>
           <a:p>
             <a:fld id="{08395586-F03A-48D1-94DF-16B239DF4FB5}" type="slidenum">
-              <a:rPr lang="ru-RU" smtClean="0"/>
+              <a:rPr lang="de-DE" smtClean="0"/>
               <a:t>‹#›</a:t>
             </a:fld>
-            <a:endParaRPr lang="ru-RU"/>
+            <a:endParaRPr lang="de-DE"/>
           </a:p>
         </p:txBody>
       </p:sp>
@@ -785,10 +785,10 @@
           <a:lstStyle/>
           <a:p>
             <a:r>
-              <a:rPr lang="en-US" smtClean="0"/>
+              <a:rPr lang="de-DE" smtClean="0"/>
               <a:t>Click to edit Master title style</a:t>
             </a:r>
-            <a:endParaRPr lang="en-US" dirty="0"/>
+            <a:endParaRPr lang="de-DE" dirty="0"/>
           </a:p>
         </p:txBody>
       </p:sp>
@@ -809,38 +809,38 @@
           <a:p>
             <a:pPr lvl="0"/>
             <a:r>
-              <a:rPr lang="en-US" smtClean="0"/>
+              <a:rPr lang="de-DE" smtClean="0"/>
               <a:t>Click to edit Master text styles</a:t>
             </a:r>
           </a:p>
           <a:p>
             <a:pPr lvl="1"/>
             <a:r>
-              <a:rPr lang="en-US" smtClean="0"/>
+              <a:rPr lang="de-DE" smtClean="0"/>
               <a:t>Second level</a:t>
             </a:r>
           </a:p>
           <a:p>
             <a:pPr lvl="2"/>
             <a:r>
-              <a:rPr lang="en-US" smtClean="0"/>
+              <a:rPr lang="de-DE" smtClean="0"/>
               <a:t>Third level</a:t>
             </a:r>
           </a:p>
           <a:p>
             <a:pPr lvl="3"/>
             <a:r>
-              <a:rPr lang="en-US" smtClean="0"/>
+              <a:rPr lang="de-DE" smtClean="0"/>
               <a:t>Fourth level</a:t>
             </a:r>
           </a:p>
           <a:p>
             <a:pPr lvl="4"/>
             <a:r>
-              <a:rPr lang="en-US" smtClean="0"/>
+              <a:rPr lang="de-DE" smtClean="0"/>
               <a:t>Fifth level</a:t>
             </a:r>
-            <a:endParaRPr lang="en-US" dirty="0"/>
+            <a:endParaRPr lang="de-DE" dirty="0"/>
           </a:p>
         </p:txBody>
       </p:sp>
@@ -860,10 +860,10 @@
           <a:lstStyle/>
           <a:p>
             <a:fld id="{BCC18F51-09EC-435C-A3BA-64A766E099C0}" type="datetimeFigureOut">
-              <a:rPr lang="ru-RU" smtClean="0"/>
+              <a:rPr lang="de-DE" smtClean="0"/>
               <a:t>30.10.2013</a:t>
             </a:fld>
-            <a:endParaRPr lang="ru-RU"/>
+            <a:endParaRPr lang="de-DE"/>
           </a:p>
         </p:txBody>
       </p:sp>
@@ -882,7 +882,7 @@
           <a:bodyPr/>
           <a:lstStyle/>
           <a:p>
-            <a:endParaRPr lang="ru-RU"/>
+            <a:endParaRPr lang="de-DE"/>
           </a:p>
         </p:txBody>
       </p:sp>
@@ -902,10 +902,10 @@
           <a:lstStyle/>
           <a:p>
             <a:fld id="{08395586-F03A-48D1-94DF-16B239DF4FB5}" type="slidenum">
-              <a:rPr lang="ru-RU" smtClean="0"/>
+              <a:rPr lang="de-DE" smtClean="0"/>
               <a:t>‹#›</a:t>
             </a:fld>
-            <a:endParaRPr lang="ru-RU"/>
+            <a:endParaRPr lang="de-DE"/>
           </a:p>
         </p:txBody>
       </p:sp>
@@ -960,10 +960,10 @@
           <a:lstStyle/>
           <a:p>
             <a:r>
-              <a:rPr lang="en-US" smtClean="0"/>
+              <a:rPr lang="de-DE" smtClean="0"/>
               <a:t>Click to edit Master title style</a:t>
             </a:r>
-            <a:endParaRPr lang="en-US" dirty="0"/>
+            <a:endParaRPr lang="de-DE" dirty="0"/>
           </a:p>
         </p:txBody>
       </p:sp>
@@ -989,38 +989,38 @@
           <a:p>
             <a:pPr lvl="0"/>
             <a:r>
-              <a:rPr lang="en-US" smtClean="0"/>
+              <a:rPr lang="de-DE" smtClean="0"/>
               <a:t>Click to edit Master text styles</a:t>
             </a:r>
           </a:p>
           <a:p>
             <a:pPr lvl="1"/>
             <a:r>
-              <a:rPr lang="en-US" smtClean="0"/>
+              <a:rPr lang="de-DE" smtClean="0"/>
               <a:t>Second level</a:t>
             </a:r>
           </a:p>
           <a:p>
             <a:pPr lvl="2"/>
             <a:r>
-              <a:rPr lang="en-US" smtClean="0"/>
+              <a:rPr lang="de-DE" smtClean="0"/>
               <a:t>Third level</a:t>
             </a:r>
           </a:p>
           <a:p>
             <a:pPr lvl="3"/>
             <a:r>
-              <a:rPr lang="en-US" smtClean="0"/>
+              <a:rPr lang="de-DE" smtClean="0"/>
               <a:t>Fourth level</a:t>
             </a:r>
           </a:p>
           <a:p>
             <a:pPr lvl="4"/>
             <a:r>
-              <a:rPr lang="en-US" smtClean="0"/>
+              <a:rPr lang="de-DE" smtClean="0"/>
               <a:t>Fifth level</a:t>
             </a:r>
-            <a:endParaRPr lang="en-US" dirty="0"/>
+            <a:endParaRPr lang="de-DE" dirty="0"/>
           </a:p>
         </p:txBody>
       </p:sp>
@@ -1040,10 +1040,10 @@
           <a:lstStyle/>
           <a:p>
             <a:fld id="{BCC18F51-09EC-435C-A3BA-64A766E099C0}" type="datetimeFigureOut">
-              <a:rPr lang="ru-RU" smtClean="0"/>
+              <a:rPr lang="de-DE" smtClean="0"/>
               <a:t>30.10.2013</a:t>
             </a:fld>
-            <a:endParaRPr lang="ru-RU"/>
+            <a:endParaRPr lang="de-DE"/>
           </a:p>
         </p:txBody>
       </p:sp>
@@ -1062,7 +1062,7 @@
           <a:bodyPr/>
           <a:lstStyle/>
           <a:p>
-            <a:endParaRPr lang="ru-RU"/>
+            <a:endParaRPr lang="de-DE"/>
           </a:p>
         </p:txBody>
       </p:sp>
@@ -1082,10 +1082,10 @@
           <a:lstStyle/>
           <a:p>
             <a:fld id="{08395586-F03A-48D1-94DF-16B239DF4FB5}" type="slidenum">
-              <a:rPr lang="ru-RU" smtClean="0"/>
+              <a:rPr lang="de-DE" smtClean="0"/>
               <a:t>‹#›</a:t>
             </a:fld>
-            <a:endParaRPr lang="ru-RU"/>
+            <a:endParaRPr lang="de-DE"/>
           </a:p>
         </p:txBody>
       </p:sp>
@@ -1135,10 +1135,10 @@
           <a:lstStyle/>
           <a:p>
             <a:r>
-              <a:rPr lang="en-US" smtClean="0"/>
+              <a:rPr lang="de-DE" smtClean="0"/>
               <a:t>Click to edit Master title style</a:t>
             </a:r>
-            <a:endParaRPr lang="en-US" dirty="0"/>
+            <a:endParaRPr lang="de-DE" dirty="0"/>
           </a:p>
         </p:txBody>
       </p:sp>
@@ -1159,38 +1159,38 @@
           <a:p>
             <a:pPr lvl="0"/>
             <a:r>
-              <a:rPr lang="en-US" smtClean="0"/>
+              <a:rPr lang="de-DE" smtClean="0"/>
               <a:t>Click to edit Master text styles</a:t>
             </a:r>
           </a:p>
           <a:p>
             <a:pPr lvl="1"/>
             <a:r>
-              <a:rPr lang="en-US" smtClean="0"/>
+              <a:rPr lang="de-DE" smtClean="0"/>
               <a:t>Second level</a:t>
             </a:r>
           </a:p>
           <a:p>
             <a:pPr lvl="2"/>
             <a:r>
-              <a:rPr lang="en-US" smtClean="0"/>
+              <a:rPr lang="de-DE" smtClean="0"/>
               <a:t>Third level</a:t>
             </a:r>
           </a:p>
           <a:p>
             <a:pPr lvl="3"/>
             <a:r>
-              <a:rPr lang="en-US" smtClean="0"/>
+              <a:rPr lang="de-DE" smtClean="0"/>
               <a:t>Fourth level</a:t>
             </a:r>
           </a:p>
           <a:p>
             <a:pPr lvl="4"/>
             <a:r>
-              <a:rPr lang="en-US" smtClean="0"/>
+              <a:rPr lang="de-DE" smtClean="0"/>
               <a:t>Fifth level</a:t>
             </a:r>
-            <a:endParaRPr lang="en-US" dirty="0"/>
+            <a:endParaRPr lang="de-DE" dirty="0"/>
           </a:p>
         </p:txBody>
       </p:sp>
@@ -1210,10 +1210,10 @@
           <a:lstStyle/>
           <a:p>
             <a:fld id="{BCC18F51-09EC-435C-A3BA-64A766E099C0}" type="datetimeFigureOut">
-              <a:rPr lang="ru-RU" smtClean="0"/>
+              <a:rPr lang="de-DE" smtClean="0"/>
               <a:t>30.10.2013</a:t>
             </a:fld>
-            <a:endParaRPr lang="ru-RU"/>
+            <a:endParaRPr lang="de-DE"/>
           </a:p>
         </p:txBody>
       </p:sp>
@@ -1232,7 +1232,7 @@
           <a:bodyPr/>
           <a:lstStyle/>
           <a:p>
-            <a:endParaRPr lang="ru-RU"/>
+            <a:endParaRPr lang="de-DE"/>
           </a:p>
         </p:txBody>
       </p:sp>
@@ -1252,10 +1252,10 @@
           <a:lstStyle/>
           <a:p>
             <a:fld id="{08395586-F03A-48D1-94DF-16B239DF4FB5}" type="slidenum">
-              <a:rPr lang="ru-RU" smtClean="0"/>
+              <a:rPr lang="de-DE" smtClean="0"/>
               <a:t>‹#›</a:t>
             </a:fld>
-            <a:endParaRPr lang="ru-RU"/>
+            <a:endParaRPr lang="de-DE"/>
           </a:p>
         </p:txBody>
       </p:sp>
@@ -1314,10 +1314,10 @@
           </a:lstStyle>
           <a:p>
             <a:r>
-              <a:rPr lang="en-US" smtClean="0"/>
+              <a:rPr lang="de-DE" smtClean="0"/>
               <a:t>Click to edit Master title style</a:t>
             </a:r>
-            <a:endParaRPr lang="en-US" dirty="0"/>
+            <a:endParaRPr lang="de-DE" dirty="0"/>
           </a:p>
         </p:txBody>
       </p:sp>
@@ -1434,7 +1434,7 @@
           <a:p>
             <a:pPr lvl="0"/>
             <a:r>
-              <a:rPr lang="en-US" smtClean="0"/>
+              <a:rPr lang="de-DE" smtClean="0"/>
               <a:t>Click to edit Master text styles</a:t>
             </a:r>
           </a:p>
@@ -1456,10 +1456,10 @@
           <a:lstStyle/>
           <a:p>
             <a:fld id="{BCC18F51-09EC-435C-A3BA-64A766E099C0}" type="datetimeFigureOut">
-              <a:rPr lang="ru-RU" smtClean="0"/>
+              <a:rPr lang="de-DE" smtClean="0"/>
               <a:t>30.10.2013</a:t>
             </a:fld>
-            <a:endParaRPr lang="ru-RU"/>
+            <a:endParaRPr lang="de-DE"/>
           </a:p>
         </p:txBody>
       </p:sp>
@@ -1478,7 +1478,7 @@
           <a:bodyPr/>
           <a:lstStyle/>
           <a:p>
-            <a:endParaRPr lang="ru-RU"/>
+            <a:endParaRPr lang="de-DE"/>
           </a:p>
         </p:txBody>
       </p:sp>
@@ -1498,10 +1498,10 @@
           <a:lstStyle/>
           <a:p>
             <a:fld id="{08395586-F03A-48D1-94DF-16B239DF4FB5}" type="slidenum">
-              <a:rPr lang="ru-RU" smtClean="0"/>
+              <a:rPr lang="de-DE" smtClean="0"/>
               <a:t>‹#›</a:t>
             </a:fld>
-            <a:endParaRPr lang="ru-RU"/>
+            <a:endParaRPr lang="de-DE"/>
           </a:p>
         </p:txBody>
       </p:sp>
@@ -1551,10 +1551,10 @@
           <a:lstStyle/>
           <a:p>
             <a:r>
-              <a:rPr lang="en-US" smtClean="0"/>
+              <a:rPr lang="de-DE" smtClean="0"/>
               <a:t>Click to edit Master title style</a:t>
             </a:r>
-            <a:endParaRPr lang="en-US" dirty="0"/>
+            <a:endParaRPr lang="de-DE" dirty="0"/>
           </a:p>
         </p:txBody>
       </p:sp>
@@ -1580,38 +1580,38 @@
           <a:p>
             <a:pPr lvl="0"/>
             <a:r>
-              <a:rPr lang="en-US" smtClean="0"/>
+              <a:rPr lang="de-DE" smtClean="0"/>
               <a:t>Click to edit Master text styles</a:t>
             </a:r>
           </a:p>
           <a:p>
             <a:pPr lvl="1"/>
             <a:r>
-              <a:rPr lang="en-US" smtClean="0"/>
+              <a:rPr lang="de-DE" smtClean="0"/>
               <a:t>Second level</a:t>
             </a:r>
           </a:p>
           <a:p>
             <a:pPr lvl="2"/>
             <a:r>
-              <a:rPr lang="en-US" smtClean="0"/>
+              <a:rPr lang="de-DE" smtClean="0"/>
               <a:t>Third level</a:t>
             </a:r>
           </a:p>
           <a:p>
             <a:pPr lvl="3"/>
             <a:r>
-              <a:rPr lang="en-US" smtClean="0"/>
+              <a:rPr lang="de-DE" smtClean="0"/>
               <a:t>Fourth level</a:t>
             </a:r>
           </a:p>
           <a:p>
             <a:pPr lvl="4"/>
             <a:r>
-              <a:rPr lang="en-US" smtClean="0"/>
+              <a:rPr lang="de-DE" smtClean="0"/>
               <a:t>Fifth level</a:t>
             </a:r>
-            <a:endParaRPr lang="en-US" dirty="0"/>
+            <a:endParaRPr lang="de-DE" dirty="0"/>
           </a:p>
         </p:txBody>
       </p:sp>
@@ -1637,38 +1637,38 @@
           <a:p>
             <a:pPr lvl="0"/>
             <a:r>
-              <a:rPr lang="en-US" smtClean="0"/>
+              <a:rPr lang="de-DE" smtClean="0"/>
               <a:t>Click to edit Master text styles</a:t>
             </a:r>
           </a:p>
           <a:p>
             <a:pPr lvl="1"/>
             <a:r>
-              <a:rPr lang="en-US" smtClean="0"/>
+              <a:rPr lang="de-DE" smtClean="0"/>
               <a:t>Second level</a:t>
             </a:r>
           </a:p>
           <a:p>
             <a:pPr lvl="2"/>
             <a:r>
-              <a:rPr lang="en-US" smtClean="0"/>
+              <a:rPr lang="de-DE" smtClean="0"/>
               <a:t>Third level</a:t>
             </a:r>
           </a:p>
           <a:p>
             <a:pPr lvl="3"/>
             <a:r>
-              <a:rPr lang="en-US" smtClean="0"/>
+              <a:rPr lang="de-DE" smtClean="0"/>
               <a:t>Fourth level</a:t>
             </a:r>
           </a:p>
           <a:p>
             <a:pPr lvl="4"/>
             <a:r>
-              <a:rPr lang="en-US" smtClean="0"/>
+              <a:rPr lang="de-DE" smtClean="0"/>
               <a:t>Fifth level</a:t>
             </a:r>
-            <a:endParaRPr lang="en-US" dirty="0"/>
+            <a:endParaRPr lang="de-DE" dirty="0"/>
           </a:p>
         </p:txBody>
       </p:sp>
@@ -1688,10 +1688,10 @@
           <a:lstStyle/>
           <a:p>
             <a:fld id="{BCC18F51-09EC-435C-A3BA-64A766E099C0}" type="datetimeFigureOut">
-              <a:rPr lang="ru-RU" smtClean="0"/>
+              <a:rPr lang="de-DE" smtClean="0"/>
               <a:t>30.10.2013</a:t>
             </a:fld>
-            <a:endParaRPr lang="ru-RU"/>
+            <a:endParaRPr lang="de-DE"/>
           </a:p>
         </p:txBody>
       </p:sp>
@@ -1710,7 +1710,7 @@
           <a:bodyPr/>
           <a:lstStyle/>
           <a:p>
-            <a:endParaRPr lang="ru-RU"/>
+            <a:endParaRPr lang="de-DE"/>
           </a:p>
         </p:txBody>
       </p:sp>
@@ -1730,10 +1730,10 @@
           <a:lstStyle/>
           <a:p>
             <a:fld id="{08395586-F03A-48D1-94DF-16B239DF4FB5}" type="slidenum">
-              <a:rPr lang="ru-RU" smtClean="0"/>
+              <a:rPr lang="de-DE" smtClean="0"/>
               <a:t>‹#›</a:t>
             </a:fld>
-            <a:endParaRPr lang="ru-RU"/>
+            <a:endParaRPr lang="de-DE"/>
           </a:p>
         </p:txBody>
       </p:sp>
@@ -1788,10 +1788,10 @@
           <a:lstStyle/>
           <a:p>
             <a:r>
-              <a:rPr lang="en-US" smtClean="0"/>
+              <a:rPr lang="de-DE" smtClean="0"/>
               <a:t>Click to edit Master title style</a:t>
             </a:r>
-            <a:endParaRPr lang="en-US" dirty="0"/>
+            <a:endParaRPr lang="de-DE" dirty="0"/>
           </a:p>
         </p:txBody>
       </p:sp>
@@ -1854,7 +1854,7 @@
           <a:p>
             <a:pPr lvl="0"/>
             <a:r>
-              <a:rPr lang="en-US" smtClean="0"/>
+              <a:rPr lang="de-DE" smtClean="0"/>
               <a:t>Click to edit Master text styles</a:t>
             </a:r>
           </a:p>
@@ -1882,38 +1882,38 @@
           <a:p>
             <a:pPr lvl="0"/>
             <a:r>
-              <a:rPr lang="en-US" smtClean="0"/>
+              <a:rPr lang="de-DE" smtClean="0"/>
               <a:t>Click to edit Master text styles</a:t>
             </a:r>
           </a:p>
           <a:p>
             <a:pPr lvl="1"/>
             <a:r>
-              <a:rPr lang="en-US" smtClean="0"/>
+              <a:rPr lang="de-DE" smtClean="0"/>
               <a:t>Second level</a:t>
             </a:r>
           </a:p>
           <a:p>
             <a:pPr lvl="2"/>
             <a:r>
-              <a:rPr lang="en-US" smtClean="0"/>
+              <a:rPr lang="de-DE" smtClean="0"/>
               <a:t>Third level</a:t>
             </a:r>
           </a:p>
           <a:p>
             <a:pPr lvl="3"/>
             <a:r>
-              <a:rPr lang="en-US" smtClean="0"/>
+              <a:rPr lang="de-DE" smtClean="0"/>
               <a:t>Fourth level</a:t>
             </a:r>
           </a:p>
           <a:p>
             <a:pPr lvl="4"/>
             <a:r>
-              <a:rPr lang="en-US" smtClean="0"/>
+              <a:rPr lang="de-DE" smtClean="0"/>
               <a:t>Fifth level</a:t>
             </a:r>
-            <a:endParaRPr lang="en-US" dirty="0"/>
+            <a:endParaRPr lang="de-DE" dirty="0"/>
           </a:p>
         </p:txBody>
       </p:sp>
@@ -1976,7 +1976,7 @@
           <a:p>
             <a:pPr lvl="0"/>
             <a:r>
-              <a:rPr lang="en-US" smtClean="0"/>
+              <a:rPr lang="de-DE" smtClean="0"/>
               <a:t>Click to edit Master text styles</a:t>
             </a:r>
           </a:p>
@@ -2004,38 +2004,38 @@
           <a:p>
             <a:pPr lvl="0"/>
             <a:r>
-              <a:rPr lang="en-US" smtClean="0"/>
+              <a:rPr lang="de-DE" smtClean="0"/>
               <a:t>Click to edit Master text styles</a:t>
             </a:r>
           </a:p>
           <a:p>
             <a:pPr lvl="1"/>
             <a:r>
-              <a:rPr lang="en-US" smtClean="0"/>
+              <a:rPr lang="de-DE" smtClean="0"/>
               <a:t>Second level</a:t>
             </a:r>
           </a:p>
           <a:p>
             <a:pPr lvl="2"/>
             <a:r>
-              <a:rPr lang="en-US" smtClean="0"/>
+              <a:rPr lang="de-DE" smtClean="0"/>
               <a:t>Third level</a:t>
             </a:r>
           </a:p>
           <a:p>
             <a:pPr lvl="3"/>
             <a:r>
-              <a:rPr lang="en-US" smtClean="0"/>
+              <a:rPr lang="de-DE" smtClean="0"/>
               <a:t>Fourth level</a:t>
             </a:r>
           </a:p>
           <a:p>
             <a:pPr lvl="4"/>
             <a:r>
-              <a:rPr lang="en-US" smtClean="0"/>
+              <a:rPr lang="de-DE" smtClean="0"/>
               <a:t>Fifth level</a:t>
             </a:r>
-            <a:endParaRPr lang="en-US" dirty="0"/>
+            <a:endParaRPr lang="de-DE" dirty="0"/>
           </a:p>
         </p:txBody>
       </p:sp>
@@ -2055,10 +2055,10 @@
           <a:lstStyle/>
           <a:p>
             <a:fld id="{BCC18F51-09EC-435C-A3BA-64A766E099C0}" type="datetimeFigureOut">
-              <a:rPr lang="ru-RU" smtClean="0"/>
+              <a:rPr lang="de-DE" smtClean="0"/>
               <a:t>30.10.2013</a:t>
             </a:fld>
-            <a:endParaRPr lang="ru-RU"/>
+            <a:endParaRPr lang="de-DE"/>
           </a:p>
         </p:txBody>
       </p:sp>
@@ -2077,7 +2077,7 @@
           <a:bodyPr/>
           <a:lstStyle/>
           <a:p>
-            <a:endParaRPr lang="ru-RU"/>
+            <a:endParaRPr lang="de-DE"/>
           </a:p>
         </p:txBody>
       </p:sp>
@@ -2097,10 +2097,10 @@
           <a:lstStyle/>
           <a:p>
             <a:fld id="{08395586-F03A-48D1-94DF-16B239DF4FB5}" type="slidenum">
-              <a:rPr lang="ru-RU" smtClean="0"/>
+              <a:rPr lang="de-DE" smtClean="0"/>
               <a:t>‹#›</a:t>
             </a:fld>
-            <a:endParaRPr lang="ru-RU"/>
+            <a:endParaRPr lang="de-DE"/>
           </a:p>
         </p:txBody>
       </p:sp>
@@ -2150,10 +2150,10 @@
           <a:lstStyle/>
           <a:p>
             <a:r>
-              <a:rPr lang="en-US" smtClean="0"/>
+              <a:rPr lang="de-DE" smtClean="0"/>
               <a:t>Click to edit Master title style</a:t>
             </a:r>
-            <a:endParaRPr lang="en-US" dirty="0"/>
+            <a:endParaRPr lang="de-DE" dirty="0"/>
           </a:p>
         </p:txBody>
       </p:sp>
@@ -2173,10 +2173,10 @@
           <a:lstStyle/>
           <a:p>
             <a:fld id="{BCC18F51-09EC-435C-A3BA-64A766E099C0}" type="datetimeFigureOut">
-              <a:rPr lang="ru-RU" smtClean="0"/>
+              <a:rPr lang="de-DE" smtClean="0"/>
               <a:t>30.10.2013</a:t>
             </a:fld>
-            <a:endParaRPr lang="ru-RU"/>
+            <a:endParaRPr lang="de-DE"/>
           </a:p>
         </p:txBody>
       </p:sp>
@@ -2195,7 +2195,7 @@
           <a:bodyPr/>
           <a:lstStyle/>
           <a:p>
-            <a:endParaRPr lang="ru-RU"/>
+            <a:endParaRPr lang="de-DE"/>
           </a:p>
         </p:txBody>
       </p:sp>
@@ -2215,10 +2215,10 @@
           <a:lstStyle/>
           <a:p>
             <a:fld id="{08395586-F03A-48D1-94DF-16B239DF4FB5}" type="slidenum">
-              <a:rPr lang="ru-RU" smtClean="0"/>
+              <a:rPr lang="de-DE" smtClean="0"/>
               <a:t>‹#›</a:t>
             </a:fld>
-            <a:endParaRPr lang="ru-RU"/>
+            <a:endParaRPr lang="de-DE"/>
           </a:p>
         </p:txBody>
       </p:sp>
@@ -2268,10 +2268,10 @@
           <a:lstStyle/>
           <a:p>
             <a:fld id="{BCC18F51-09EC-435C-A3BA-64A766E099C0}" type="datetimeFigureOut">
-              <a:rPr lang="ru-RU" smtClean="0"/>
+              <a:rPr lang="de-DE" smtClean="0"/>
               <a:t>30.10.2013</a:t>
             </a:fld>
-            <a:endParaRPr lang="ru-RU"/>
+            <a:endParaRPr lang="de-DE"/>
           </a:p>
         </p:txBody>
       </p:sp>
@@ -2290,7 +2290,7 @@
           <a:bodyPr/>
           <a:lstStyle/>
           <a:p>
-            <a:endParaRPr lang="ru-RU"/>
+            <a:endParaRPr lang="de-DE"/>
           </a:p>
         </p:txBody>
       </p:sp>
@@ -2310,10 +2310,10 @@
           <a:lstStyle/>
           <a:p>
             <a:fld id="{08395586-F03A-48D1-94DF-16B239DF4FB5}" type="slidenum">
-              <a:rPr lang="ru-RU" smtClean="0"/>
+              <a:rPr lang="de-DE" smtClean="0"/>
               <a:t>‹#›</a:t>
             </a:fld>
-            <a:endParaRPr lang="ru-RU"/>
+            <a:endParaRPr lang="de-DE"/>
           </a:p>
         </p:txBody>
       </p:sp>
@@ -2372,10 +2372,10 @@
           </a:lstStyle>
           <a:p>
             <a:r>
-              <a:rPr lang="en-US" smtClean="0"/>
+              <a:rPr lang="de-DE" smtClean="0"/>
               <a:t>Click to edit Master title style</a:t>
             </a:r>
-            <a:endParaRPr lang="en-US" dirty="0"/>
+            <a:endParaRPr lang="de-DE" dirty="0"/>
           </a:p>
         </p:txBody>
       </p:sp>
@@ -2429,38 +2429,38 @@
           <a:p>
             <a:pPr lvl="0"/>
             <a:r>
-              <a:rPr lang="en-US" smtClean="0"/>
+              <a:rPr lang="de-DE" smtClean="0"/>
               <a:t>Click to edit Master text styles</a:t>
             </a:r>
           </a:p>
           <a:p>
             <a:pPr lvl="1"/>
             <a:r>
-              <a:rPr lang="en-US" smtClean="0"/>
+              <a:rPr lang="de-DE" smtClean="0"/>
               <a:t>Second level</a:t>
             </a:r>
           </a:p>
           <a:p>
             <a:pPr lvl="2"/>
             <a:r>
-              <a:rPr lang="en-US" smtClean="0"/>
+              <a:rPr lang="de-DE" smtClean="0"/>
               <a:t>Third level</a:t>
             </a:r>
           </a:p>
           <a:p>
             <a:pPr lvl="3"/>
             <a:r>
-              <a:rPr lang="en-US" smtClean="0"/>
+              <a:rPr lang="de-DE" smtClean="0"/>
               <a:t>Fourth level</a:t>
             </a:r>
           </a:p>
           <a:p>
             <a:pPr lvl="4"/>
             <a:r>
-              <a:rPr lang="en-US" smtClean="0"/>
+              <a:rPr lang="de-DE" smtClean="0"/>
               <a:t>Fifth level</a:t>
             </a:r>
-            <a:endParaRPr lang="en-US" dirty="0"/>
+            <a:endParaRPr lang="de-DE" dirty="0"/>
           </a:p>
         </p:txBody>
       </p:sp>
@@ -2523,7 +2523,7 @@
           <a:p>
             <a:pPr lvl="0"/>
             <a:r>
-              <a:rPr lang="en-US" smtClean="0"/>
+              <a:rPr lang="de-DE" smtClean="0"/>
               <a:t>Click to edit Master text styles</a:t>
             </a:r>
           </a:p>
@@ -2545,10 +2545,10 @@
           <a:lstStyle/>
           <a:p>
             <a:fld id="{BCC18F51-09EC-435C-A3BA-64A766E099C0}" type="datetimeFigureOut">
-              <a:rPr lang="ru-RU" smtClean="0"/>
+              <a:rPr lang="de-DE" smtClean="0"/>
               <a:t>30.10.2013</a:t>
             </a:fld>
-            <a:endParaRPr lang="ru-RU"/>
+            <a:endParaRPr lang="de-DE"/>
           </a:p>
         </p:txBody>
       </p:sp>
@@ -2567,7 +2567,7 @@
           <a:bodyPr/>
           <a:lstStyle/>
           <a:p>
-            <a:endParaRPr lang="ru-RU"/>
+            <a:endParaRPr lang="de-DE"/>
           </a:p>
         </p:txBody>
       </p:sp>
@@ -2587,10 +2587,10 @@
           <a:lstStyle/>
           <a:p>
             <a:fld id="{08395586-F03A-48D1-94DF-16B239DF4FB5}" type="slidenum">
-              <a:rPr lang="ru-RU" smtClean="0"/>
+              <a:rPr lang="de-DE" smtClean="0"/>
               <a:t>‹#›</a:t>
             </a:fld>
-            <a:endParaRPr lang="ru-RU"/>
+            <a:endParaRPr lang="de-DE"/>
           </a:p>
         </p:txBody>
       </p:sp>
@@ -2649,10 +2649,10 @@
           </a:lstStyle>
           <a:p>
             <a:r>
-              <a:rPr lang="en-US" smtClean="0"/>
+              <a:rPr lang="de-DE" smtClean="0"/>
               <a:t>Click to edit Master title style</a:t>
             </a:r>
-            <a:endParaRPr lang="en-US" dirty="0"/>
+            <a:endParaRPr lang="de-DE" dirty="0"/>
           </a:p>
         </p:txBody>
       </p:sp>
@@ -2714,10 +2714,10 @@
           </a:lstStyle>
           <a:p>
             <a:r>
-              <a:rPr lang="en-US" smtClean="0"/>
+              <a:rPr lang="de-DE" smtClean="0"/>
               <a:t>Click icon to add picture</a:t>
             </a:r>
-            <a:endParaRPr lang="en-US" dirty="0"/>
+            <a:endParaRPr lang="de-DE" dirty="0"/>
           </a:p>
         </p:txBody>
       </p:sp>
@@ -2780,7 +2780,7 @@
           <a:p>
             <a:pPr lvl="0"/>
             <a:r>
-              <a:rPr lang="en-US" smtClean="0"/>
+              <a:rPr lang="de-DE" smtClean="0"/>
               <a:t>Click to edit Master text styles</a:t>
             </a:r>
           </a:p>
@@ -2802,10 +2802,10 @@
           <a:lstStyle/>
           <a:p>
             <a:fld id="{BCC18F51-09EC-435C-A3BA-64A766E099C0}" type="datetimeFigureOut">
-              <a:rPr lang="ru-RU" smtClean="0"/>
+              <a:rPr lang="de-DE" smtClean="0"/>
               <a:t>30.10.2013</a:t>
             </a:fld>
-            <a:endParaRPr lang="ru-RU"/>
+            <a:endParaRPr lang="de-DE"/>
           </a:p>
         </p:txBody>
       </p:sp>
@@ -2824,7 +2824,7 @@
           <a:bodyPr/>
           <a:lstStyle/>
           <a:p>
-            <a:endParaRPr lang="ru-RU"/>
+            <a:endParaRPr lang="de-DE"/>
           </a:p>
         </p:txBody>
       </p:sp>
@@ -2844,10 +2844,10 @@
           <a:lstStyle/>
           <a:p>
             <a:fld id="{08395586-F03A-48D1-94DF-16B239DF4FB5}" type="slidenum">
-              <a:rPr lang="ru-RU" smtClean="0"/>
+              <a:rPr lang="de-DE" smtClean="0"/>
               <a:t>‹#›</a:t>
             </a:fld>
-            <a:endParaRPr lang="ru-RU"/>
+            <a:endParaRPr lang="de-DE"/>
           </a:p>
         </p:txBody>
       </p:sp>
@@ -2912,10 +2912,10 @@
           <a:lstStyle/>
           <a:p>
             <a:r>
-              <a:rPr lang="en-US" smtClean="0"/>
+              <a:rPr lang="de-DE" smtClean="0"/>
               <a:t>Click to edit Master title style</a:t>
             </a:r>
-            <a:endParaRPr lang="en-US" dirty="0"/>
+            <a:endParaRPr lang="de-DE" dirty="0"/>
           </a:p>
         </p:txBody>
       </p:sp>
@@ -2946,38 +2946,38 @@
           <a:p>
             <a:pPr lvl="0"/>
             <a:r>
-              <a:rPr lang="en-US" smtClean="0"/>
+              <a:rPr lang="de-DE" smtClean="0"/>
               <a:t>Click to edit Master text styles</a:t>
             </a:r>
           </a:p>
           <a:p>
             <a:pPr lvl="1"/>
             <a:r>
-              <a:rPr lang="en-US" smtClean="0"/>
+              <a:rPr lang="de-DE" smtClean="0"/>
               <a:t>Second level</a:t>
             </a:r>
           </a:p>
           <a:p>
             <a:pPr lvl="2"/>
             <a:r>
-              <a:rPr lang="en-US" smtClean="0"/>
+              <a:rPr lang="de-DE" smtClean="0"/>
               <a:t>Third level</a:t>
             </a:r>
           </a:p>
           <a:p>
             <a:pPr lvl="3"/>
             <a:r>
-              <a:rPr lang="en-US" smtClean="0"/>
+              <a:rPr lang="de-DE" smtClean="0"/>
               <a:t>Fourth level</a:t>
             </a:r>
           </a:p>
           <a:p>
             <a:pPr lvl="4"/>
             <a:r>
-              <a:rPr lang="en-US" smtClean="0"/>
+              <a:rPr lang="de-DE" smtClean="0"/>
               <a:t>Fifth level</a:t>
             </a:r>
-            <a:endParaRPr lang="en-US" dirty="0"/>
+            <a:endParaRPr lang="de-DE" dirty="0"/>
           </a:p>
         </p:txBody>
       </p:sp>
@@ -3015,10 +3015,10 @@
           </a:lstStyle>
           <a:p>
             <a:fld id="{BCC18F51-09EC-435C-A3BA-64A766E099C0}" type="datetimeFigureOut">
-              <a:rPr lang="ru-RU" smtClean="0"/>
+              <a:rPr lang="de-DE" smtClean="0"/>
               <a:t>30.10.2013</a:t>
             </a:fld>
-            <a:endParaRPr lang="ru-RU"/>
+            <a:endParaRPr lang="de-DE"/>
           </a:p>
         </p:txBody>
       </p:sp>
@@ -3055,7 +3055,7 @@
             </a:lvl1pPr>
           </a:lstStyle>
           <a:p>
-            <a:endParaRPr lang="ru-RU"/>
+            <a:endParaRPr lang="de-DE"/>
           </a:p>
         </p:txBody>
       </p:sp>
@@ -3093,10 +3093,10 @@
           </a:lstStyle>
           <a:p>
             <a:fld id="{08395586-F03A-48D1-94DF-16B239DF4FB5}" type="slidenum">
-              <a:rPr lang="ru-RU" smtClean="0"/>
+              <a:rPr lang="de-DE" smtClean="0"/>
               <a:t>‹#›</a:t>
             </a:fld>
-            <a:endParaRPr lang="ru-RU"/>
+            <a:endParaRPr lang="de-DE"/>
           </a:p>
         </p:txBody>
       </p:sp>
@@ -3307,7 +3307,7 @@
     </p:bodyStyle>
     <p:otherStyle>
       <a:defPPr>
-        <a:defRPr lang="en-US"/>
+        <a:defRPr lang="de-DE"/>
       </a:defPPr>
       <a:lvl1pPr marL="0" algn="l" defTabSz="914400" rtl="0" eaLnBrk="1" latinLnBrk="0" hangingPunct="1">
         <a:defRPr sz="1800" kern="1200">
@@ -3436,7 +3436,7 @@
           <a:bodyPr/>
           <a:lstStyle/>
           <a:p>
-            <a:endParaRPr lang="ru-RU" dirty="0"/>
+            <a:endParaRPr lang="de-DE" dirty="0"/>
           </a:p>
         </p:txBody>
       </p:sp>
@@ -3455,7 +3455,7 @@
           <a:bodyPr/>
           <a:lstStyle/>
           <a:p>
-            <a:endParaRPr lang="ru-RU" dirty="0"/>
+            <a:endParaRPr lang="de-DE" dirty="0"/>
           </a:p>
         </p:txBody>
       </p:sp>

--- a/web/studio/ASC.Web.Studio/Products/Files/DocStore/newdocuments/de-DE/new.pptx
+++ b/web/studio/ASC.Web.Studio/Products/Files/DocStore/newdocuments/de-DE/new.pptx
@@ -562,7 +562,7 @@
 
 <file path=ppt/slideLayouts/slideLayout1.xml><?xml version="1.0" encoding="utf-8"?>
 <p:sldLayout xmlns:a="http://schemas.openxmlformats.org/drawingml/2006/main" xmlns:r="http://schemas.openxmlformats.org/officeDocument/2006/relationships" xmlns:p="http://schemas.openxmlformats.org/presentationml/2006/main" type="title" preserve="1">
-  <p:cSld name="Title Slide">
+  <p:cSld name="Titelfolie">
     <p:spTree>
       <p:nvGrpSpPr>
         <p:cNvPr id="1" name=""/>
@@ -579,7 +579,7 @@
       </p:grpSpPr>
       <p:sp>
         <p:nvSpPr>
-          <p:cNvPr id="2" name="Title 1"/>
+          <p:cNvPr id="2" name="Titel 1"/>
           <p:cNvSpPr>
             <a:spLocks noGrp="1"/>
           </p:cNvSpPr>
@@ -603,7 +603,7 @@
           <a:p>
             <a:r>
               <a:rPr lang="de-DE" smtClean="0"/>
-              <a:t>Click to edit Master title style</a:t>
+              <a:t>Titelmasterformat durch Klicken bearbeiten</a:t>
             </a:r>
             <a:endParaRPr lang="de-DE" dirty="0"/>
           </a:p>
@@ -611,7 +611,7 @@
       </p:sp>
       <p:sp>
         <p:nvSpPr>
-          <p:cNvPr id="3" name="Subtitle 2"/>
+          <p:cNvPr id="3" name="Untertitel 2"/>
           <p:cNvSpPr>
             <a:spLocks noGrp="1"/>
           </p:cNvSpPr>
@@ -668,7 +668,7 @@
           <a:p>
             <a:r>
               <a:rPr lang="de-DE" smtClean="0"/>
-              <a:t>Click to edit Master subtitle style</a:t>
+              <a:t>Formatvorlage des Untertitelmasters durch Klicken bearbeiten</a:t>
             </a:r>
             <a:endParaRPr lang="de-DE" dirty="0"/>
           </a:p>
@@ -676,7 +676,7 @@
       </p:sp>
       <p:sp>
         <p:nvSpPr>
-          <p:cNvPr id="4" name="Date Placeholder 3"/>
+          <p:cNvPr id="4" name="Datumsplatzhalter 3"/>
           <p:cNvSpPr>
             <a:spLocks noGrp="1"/>
           </p:cNvSpPr>
@@ -699,7 +699,7 @@
       </p:sp>
       <p:sp>
         <p:nvSpPr>
-          <p:cNvPr id="5" name="Footer Placeholder 4"/>
+          <p:cNvPr id="5" name="Fußzeilenplatzhalter 4"/>
           <p:cNvSpPr>
             <a:spLocks noGrp="1"/>
           </p:cNvSpPr>
@@ -718,7 +718,7 @@
       </p:sp>
       <p:sp>
         <p:nvSpPr>
-          <p:cNvPr id="6" name="Slide Number Placeholder 5"/>
+          <p:cNvPr id="6" name="Foliennummernplatzhalter 5"/>
           <p:cNvSpPr>
             <a:spLocks noGrp="1"/>
           </p:cNvSpPr>
@@ -754,7 +754,7 @@
 
 <file path=ppt/slideLayouts/slideLayout10.xml><?xml version="1.0" encoding="utf-8"?>
 <p:sldLayout xmlns:a="http://schemas.openxmlformats.org/drawingml/2006/main" xmlns:r="http://schemas.openxmlformats.org/officeDocument/2006/relationships" xmlns:p="http://schemas.openxmlformats.org/presentationml/2006/main" type="vertTx" preserve="1">
-  <p:cSld name="Title and Vertical Text">
+  <p:cSld name="Titel und vertikaler Text">
     <p:spTree>
       <p:nvGrpSpPr>
         <p:cNvPr id="1" name=""/>
@@ -771,7 +771,7 @@
       </p:grpSpPr>
       <p:sp>
         <p:nvSpPr>
-          <p:cNvPr id="2" name="Title 1"/>
+          <p:cNvPr id="2" name="Titel 1"/>
           <p:cNvSpPr>
             <a:spLocks noGrp="1"/>
           </p:cNvSpPr>
@@ -786,7 +786,7 @@
           <a:p>
             <a:r>
               <a:rPr lang="de-DE" smtClean="0"/>
-              <a:t>Click to edit Master title style</a:t>
+              <a:t>Titelmasterformat durch Klicken bearbeiten</a:t>
             </a:r>
             <a:endParaRPr lang="de-DE" dirty="0"/>
           </a:p>
@@ -794,7 +794,7 @@
       </p:sp>
       <p:sp>
         <p:nvSpPr>
-          <p:cNvPr id="3" name="Vertical Text Placeholder 2"/>
+          <p:cNvPr id="3" name="Vertikaler Textplatzhalter 2"/>
           <p:cNvSpPr>
             <a:spLocks noGrp="1"/>
           </p:cNvSpPr>
@@ -810,35 +810,35 @@
             <a:pPr lvl="0"/>
             <a:r>
               <a:rPr lang="de-DE" smtClean="0"/>
-              <a:t>Click to edit Master text styles</a:t>
+              <a:t>Textmasterformat bearbeiten</a:t>
             </a:r>
           </a:p>
           <a:p>
             <a:pPr lvl="1"/>
             <a:r>
               <a:rPr lang="de-DE" smtClean="0"/>
-              <a:t>Second level</a:t>
+              <a:t>Zweite Ebene</a:t>
             </a:r>
           </a:p>
           <a:p>
             <a:pPr lvl="2"/>
             <a:r>
               <a:rPr lang="de-DE" smtClean="0"/>
-              <a:t>Third level</a:t>
+              <a:t>Dritte Ebene</a:t>
             </a:r>
           </a:p>
           <a:p>
             <a:pPr lvl="3"/>
             <a:r>
               <a:rPr lang="de-DE" smtClean="0"/>
-              <a:t>Fourth level</a:t>
+              <a:t>Vierte Ebene</a:t>
             </a:r>
           </a:p>
           <a:p>
             <a:pPr lvl="4"/>
             <a:r>
               <a:rPr lang="de-DE" smtClean="0"/>
-              <a:t>Fifth level</a:t>
+              <a:t>Fünfte Ebene</a:t>
             </a:r>
             <a:endParaRPr lang="de-DE" dirty="0"/>
           </a:p>
@@ -846,7 +846,7 @@
       </p:sp>
       <p:sp>
         <p:nvSpPr>
-          <p:cNvPr id="4" name="Date Placeholder 3"/>
+          <p:cNvPr id="4" name="Datumsplatzhalter 3"/>
           <p:cNvSpPr>
             <a:spLocks noGrp="1"/>
           </p:cNvSpPr>
@@ -869,7 +869,7 @@
       </p:sp>
       <p:sp>
         <p:nvSpPr>
-          <p:cNvPr id="5" name="Footer Placeholder 4"/>
+          <p:cNvPr id="5" name="Fußzeilenplatzhalter 4"/>
           <p:cNvSpPr>
             <a:spLocks noGrp="1"/>
           </p:cNvSpPr>
@@ -888,7 +888,7 @@
       </p:sp>
       <p:sp>
         <p:nvSpPr>
-          <p:cNvPr id="6" name="Slide Number Placeholder 5"/>
+          <p:cNvPr id="6" name="Foliennummernplatzhalter 5"/>
           <p:cNvSpPr>
             <a:spLocks noGrp="1"/>
           </p:cNvSpPr>
@@ -924,7 +924,7 @@
 
 <file path=ppt/slideLayouts/slideLayout11.xml><?xml version="1.0" encoding="utf-8"?>
 <p:sldLayout xmlns:a="http://schemas.openxmlformats.org/drawingml/2006/main" xmlns:r="http://schemas.openxmlformats.org/officeDocument/2006/relationships" xmlns:p="http://schemas.openxmlformats.org/presentationml/2006/main" type="vertTitleAndTx" preserve="1">
-  <p:cSld name="Vertical Title and Text">
+  <p:cSld name="Vertikaler Titel und Text">
     <p:spTree>
       <p:nvGrpSpPr>
         <p:cNvPr id="1" name=""/>
@@ -941,7 +941,7 @@
       </p:grpSpPr>
       <p:sp>
         <p:nvSpPr>
-          <p:cNvPr id="2" name="Vertical Title 1"/>
+          <p:cNvPr id="2" name="Vertikaler Titel 1"/>
           <p:cNvSpPr>
             <a:spLocks noGrp="1"/>
           </p:cNvSpPr>
@@ -961,7 +961,7 @@
           <a:p>
             <a:r>
               <a:rPr lang="de-DE" smtClean="0"/>
-              <a:t>Click to edit Master title style</a:t>
+              <a:t>Titelmasterformat durch Klicken bearbeiten</a:t>
             </a:r>
             <a:endParaRPr lang="de-DE" dirty="0"/>
           </a:p>
@@ -969,7 +969,7 @@
       </p:sp>
       <p:sp>
         <p:nvSpPr>
-          <p:cNvPr id="3" name="Vertical Text Placeholder 2"/>
+          <p:cNvPr id="3" name="Vertikaler Textplatzhalter 2"/>
           <p:cNvSpPr>
             <a:spLocks noGrp="1"/>
           </p:cNvSpPr>
@@ -990,35 +990,35 @@
             <a:pPr lvl="0"/>
             <a:r>
               <a:rPr lang="de-DE" smtClean="0"/>
-              <a:t>Click to edit Master text styles</a:t>
+              <a:t>Textmasterformat bearbeiten</a:t>
             </a:r>
           </a:p>
           <a:p>
             <a:pPr lvl="1"/>
             <a:r>
               <a:rPr lang="de-DE" smtClean="0"/>
-              <a:t>Second level</a:t>
+              <a:t>Zweite Ebene</a:t>
             </a:r>
           </a:p>
           <a:p>
             <a:pPr lvl="2"/>
             <a:r>
               <a:rPr lang="de-DE" smtClean="0"/>
-              <a:t>Third level</a:t>
+              <a:t>Dritte Ebene</a:t>
             </a:r>
           </a:p>
           <a:p>
             <a:pPr lvl="3"/>
             <a:r>
               <a:rPr lang="de-DE" smtClean="0"/>
-              <a:t>Fourth level</a:t>
+              <a:t>Vierte Ebene</a:t>
             </a:r>
           </a:p>
           <a:p>
             <a:pPr lvl="4"/>
             <a:r>
               <a:rPr lang="de-DE" smtClean="0"/>
-              <a:t>Fifth level</a:t>
+              <a:t>Fünfte Ebene</a:t>
             </a:r>
             <a:endParaRPr lang="de-DE" dirty="0"/>
           </a:p>
@@ -1026,7 +1026,7 @@
       </p:sp>
       <p:sp>
         <p:nvSpPr>
-          <p:cNvPr id="4" name="Date Placeholder 3"/>
+          <p:cNvPr id="4" name="Datumsplatzhalter 3"/>
           <p:cNvSpPr>
             <a:spLocks noGrp="1"/>
           </p:cNvSpPr>
@@ -1049,7 +1049,7 @@
       </p:sp>
       <p:sp>
         <p:nvSpPr>
-          <p:cNvPr id="5" name="Footer Placeholder 4"/>
+          <p:cNvPr id="5" name="Fußzeilenplatzhalter 4"/>
           <p:cNvSpPr>
             <a:spLocks noGrp="1"/>
           </p:cNvSpPr>
@@ -1068,7 +1068,7 @@
       </p:sp>
       <p:sp>
         <p:nvSpPr>
-          <p:cNvPr id="6" name="Slide Number Placeholder 5"/>
+          <p:cNvPr id="6" name="Foliennummernplatzhalter 5"/>
           <p:cNvSpPr>
             <a:spLocks noGrp="1"/>
           </p:cNvSpPr>
@@ -1104,7 +1104,7 @@
 
 <file path=ppt/slideLayouts/slideLayout2.xml><?xml version="1.0" encoding="utf-8"?>
 <p:sldLayout xmlns:a="http://schemas.openxmlformats.org/drawingml/2006/main" xmlns:r="http://schemas.openxmlformats.org/officeDocument/2006/relationships" xmlns:p="http://schemas.openxmlformats.org/presentationml/2006/main" type="obj" preserve="1">
-  <p:cSld name="Title and Content">
+  <p:cSld name="Titel und Inhalt">
     <p:spTree>
       <p:nvGrpSpPr>
         <p:cNvPr id="1" name=""/>
@@ -1121,7 +1121,7 @@
       </p:grpSpPr>
       <p:sp>
         <p:nvSpPr>
-          <p:cNvPr id="2" name="Title 1"/>
+          <p:cNvPr id="2" name="Titel 1"/>
           <p:cNvSpPr>
             <a:spLocks noGrp="1"/>
           </p:cNvSpPr>
@@ -1136,7 +1136,7 @@
           <a:p>
             <a:r>
               <a:rPr lang="de-DE" smtClean="0"/>
-              <a:t>Click to edit Master title style</a:t>
+              <a:t>Titelmasterformat durch Klicken bearbeiten</a:t>
             </a:r>
             <a:endParaRPr lang="de-DE" dirty="0"/>
           </a:p>
@@ -1144,7 +1144,7 @@
       </p:sp>
       <p:sp>
         <p:nvSpPr>
-          <p:cNvPr id="3" name="Content Placeholder 2"/>
+          <p:cNvPr id="3" name="Inhaltsplatzhalter 2"/>
           <p:cNvSpPr>
             <a:spLocks noGrp="1"/>
           </p:cNvSpPr>
@@ -1160,35 +1160,35 @@
             <a:pPr lvl="0"/>
             <a:r>
               <a:rPr lang="de-DE" smtClean="0"/>
-              <a:t>Click to edit Master text styles</a:t>
+              <a:t>Textmasterformat bearbeiten</a:t>
             </a:r>
           </a:p>
           <a:p>
             <a:pPr lvl="1"/>
             <a:r>
               <a:rPr lang="de-DE" smtClean="0"/>
-              <a:t>Second level</a:t>
+              <a:t>Zweite Ebene</a:t>
             </a:r>
           </a:p>
           <a:p>
             <a:pPr lvl="2"/>
             <a:r>
               <a:rPr lang="de-DE" smtClean="0"/>
-              <a:t>Third level</a:t>
+              <a:t>Dritte Ebene</a:t>
             </a:r>
           </a:p>
           <a:p>
             <a:pPr lvl="3"/>
             <a:r>
               <a:rPr lang="de-DE" smtClean="0"/>
-              <a:t>Fourth level</a:t>
+              <a:t>Vierte Ebene</a:t>
             </a:r>
           </a:p>
           <a:p>
             <a:pPr lvl="4"/>
             <a:r>
               <a:rPr lang="de-DE" smtClean="0"/>
-              <a:t>Fifth level</a:t>
+              <a:t>Fünfte Ebene</a:t>
             </a:r>
             <a:endParaRPr lang="de-DE" dirty="0"/>
           </a:p>
@@ -1196,7 +1196,7 @@
       </p:sp>
       <p:sp>
         <p:nvSpPr>
-          <p:cNvPr id="4" name="Date Placeholder 3"/>
+          <p:cNvPr id="4" name="Datumsplatzhalter 3"/>
           <p:cNvSpPr>
             <a:spLocks noGrp="1"/>
           </p:cNvSpPr>
@@ -1219,7 +1219,7 @@
       </p:sp>
       <p:sp>
         <p:nvSpPr>
-          <p:cNvPr id="5" name="Footer Placeholder 4"/>
+          <p:cNvPr id="5" name="Fußzeilenplatzhalter 4"/>
           <p:cNvSpPr>
             <a:spLocks noGrp="1"/>
           </p:cNvSpPr>
@@ -1238,7 +1238,7 @@
       </p:sp>
       <p:sp>
         <p:nvSpPr>
-          <p:cNvPr id="6" name="Slide Number Placeholder 5"/>
+          <p:cNvPr id="6" name="Foliennummernplatzhalter 5"/>
           <p:cNvSpPr>
             <a:spLocks noGrp="1"/>
           </p:cNvSpPr>
@@ -1274,7 +1274,7 @@
 
 <file path=ppt/slideLayouts/slideLayout3.xml><?xml version="1.0" encoding="utf-8"?>
 <p:sldLayout xmlns:a="http://schemas.openxmlformats.org/drawingml/2006/main" xmlns:r="http://schemas.openxmlformats.org/officeDocument/2006/relationships" xmlns:p="http://schemas.openxmlformats.org/presentationml/2006/main" type="secHead" preserve="1">
-  <p:cSld name="Section Header">
+  <p:cSld name="Abschnitts-überschrift">
     <p:spTree>
       <p:nvGrpSpPr>
         <p:cNvPr id="1" name=""/>
@@ -1291,7 +1291,7 @@
       </p:grpSpPr>
       <p:sp>
         <p:nvSpPr>
-          <p:cNvPr id="2" name="Title 1"/>
+          <p:cNvPr id="2" name="Titel 1"/>
           <p:cNvSpPr>
             <a:spLocks noGrp="1"/>
           </p:cNvSpPr>
@@ -1315,7 +1315,7 @@
           <a:p>
             <a:r>
               <a:rPr lang="de-DE" smtClean="0"/>
-              <a:t>Click to edit Master title style</a:t>
+              <a:t>Titelmasterformat durch Klicken bearbeiten</a:t>
             </a:r>
             <a:endParaRPr lang="de-DE" dirty="0"/>
           </a:p>
@@ -1323,7 +1323,7 @@
       </p:sp>
       <p:sp>
         <p:nvSpPr>
-          <p:cNvPr id="3" name="Text Placeholder 2"/>
+          <p:cNvPr id="3" name="Textplatzhalter 2"/>
           <p:cNvSpPr>
             <a:spLocks noGrp="1"/>
           </p:cNvSpPr>
@@ -1435,14 +1435,14 @@
             <a:pPr lvl="0"/>
             <a:r>
               <a:rPr lang="de-DE" smtClean="0"/>
-              <a:t>Click to edit Master text styles</a:t>
-            </a:r>
-          </a:p>
-        </p:txBody>
-      </p:sp>
-      <p:sp>
-        <p:nvSpPr>
-          <p:cNvPr id="4" name="Date Placeholder 3"/>
+              <a:t>Textmasterformat bearbeiten</a:t>
+            </a:r>
+          </a:p>
+        </p:txBody>
+      </p:sp>
+      <p:sp>
+        <p:nvSpPr>
+          <p:cNvPr id="4" name="Datumsplatzhalter 3"/>
           <p:cNvSpPr>
             <a:spLocks noGrp="1"/>
           </p:cNvSpPr>
@@ -1465,7 +1465,7 @@
       </p:sp>
       <p:sp>
         <p:nvSpPr>
-          <p:cNvPr id="5" name="Footer Placeholder 4"/>
+          <p:cNvPr id="5" name="Fußzeilenplatzhalter 4"/>
           <p:cNvSpPr>
             <a:spLocks noGrp="1"/>
           </p:cNvSpPr>
@@ -1484,7 +1484,7 @@
       </p:sp>
       <p:sp>
         <p:nvSpPr>
-          <p:cNvPr id="6" name="Slide Number Placeholder 5"/>
+          <p:cNvPr id="6" name="Foliennummernplatzhalter 5"/>
           <p:cNvSpPr>
             <a:spLocks noGrp="1"/>
           </p:cNvSpPr>
@@ -1520,7 +1520,7 @@
 
 <file path=ppt/slideLayouts/slideLayout4.xml><?xml version="1.0" encoding="utf-8"?>
 <p:sldLayout xmlns:a="http://schemas.openxmlformats.org/drawingml/2006/main" xmlns:r="http://schemas.openxmlformats.org/officeDocument/2006/relationships" xmlns:p="http://schemas.openxmlformats.org/presentationml/2006/main" type="twoObj" preserve="1">
-  <p:cSld name="Two Content">
+  <p:cSld name="Zwei Inhalte">
     <p:spTree>
       <p:nvGrpSpPr>
         <p:cNvPr id="1" name=""/>
@@ -1537,7 +1537,7 @@
       </p:grpSpPr>
       <p:sp>
         <p:nvSpPr>
-          <p:cNvPr id="2" name="Title 1"/>
+          <p:cNvPr id="2" name="Titel 1"/>
           <p:cNvSpPr>
             <a:spLocks noGrp="1"/>
           </p:cNvSpPr>
@@ -1552,7 +1552,7 @@
           <a:p>
             <a:r>
               <a:rPr lang="de-DE" smtClean="0"/>
-              <a:t>Click to edit Master title style</a:t>
+              <a:t>Titelmasterformat durch Klicken bearbeiten</a:t>
             </a:r>
             <a:endParaRPr lang="de-DE" dirty="0"/>
           </a:p>
@@ -1560,7 +1560,7 @@
       </p:sp>
       <p:sp>
         <p:nvSpPr>
-          <p:cNvPr id="3" name="Content Placeholder 2"/>
+          <p:cNvPr id="3" name="Inhaltsplatzhalter 2"/>
           <p:cNvSpPr>
             <a:spLocks noGrp="1"/>
           </p:cNvSpPr>
@@ -1581,35 +1581,35 @@
             <a:pPr lvl="0"/>
             <a:r>
               <a:rPr lang="de-DE" smtClean="0"/>
-              <a:t>Click to edit Master text styles</a:t>
+              <a:t>Textmasterformat bearbeiten</a:t>
             </a:r>
           </a:p>
           <a:p>
             <a:pPr lvl="1"/>
             <a:r>
               <a:rPr lang="de-DE" smtClean="0"/>
-              <a:t>Second level</a:t>
+              <a:t>Zweite Ebene</a:t>
             </a:r>
           </a:p>
           <a:p>
             <a:pPr lvl="2"/>
             <a:r>
               <a:rPr lang="de-DE" smtClean="0"/>
-              <a:t>Third level</a:t>
+              <a:t>Dritte Ebene</a:t>
             </a:r>
           </a:p>
           <a:p>
             <a:pPr lvl="3"/>
             <a:r>
               <a:rPr lang="de-DE" smtClean="0"/>
-              <a:t>Fourth level</a:t>
+              <a:t>Vierte Ebene</a:t>
             </a:r>
           </a:p>
           <a:p>
             <a:pPr lvl="4"/>
             <a:r>
               <a:rPr lang="de-DE" smtClean="0"/>
-              <a:t>Fifth level</a:t>
+              <a:t>Fünfte Ebene</a:t>
             </a:r>
             <a:endParaRPr lang="de-DE" dirty="0"/>
           </a:p>
@@ -1617,7 +1617,7 @@
       </p:sp>
       <p:sp>
         <p:nvSpPr>
-          <p:cNvPr id="4" name="Content Placeholder 3"/>
+          <p:cNvPr id="4" name="Inhaltsplatzhalter 3"/>
           <p:cNvSpPr>
             <a:spLocks noGrp="1"/>
           </p:cNvSpPr>
@@ -1638,35 +1638,35 @@
             <a:pPr lvl="0"/>
             <a:r>
               <a:rPr lang="de-DE" smtClean="0"/>
-              <a:t>Click to edit Master text styles</a:t>
+              <a:t>Textmasterformat bearbeiten</a:t>
             </a:r>
           </a:p>
           <a:p>
             <a:pPr lvl="1"/>
             <a:r>
               <a:rPr lang="de-DE" smtClean="0"/>
-              <a:t>Second level</a:t>
+              <a:t>Zweite Ebene</a:t>
             </a:r>
           </a:p>
           <a:p>
             <a:pPr lvl="2"/>
             <a:r>
               <a:rPr lang="de-DE" smtClean="0"/>
-              <a:t>Third level</a:t>
+              <a:t>Dritte Ebene</a:t>
             </a:r>
           </a:p>
           <a:p>
             <a:pPr lvl="3"/>
             <a:r>
               <a:rPr lang="de-DE" smtClean="0"/>
-              <a:t>Fourth level</a:t>
+              <a:t>Vierte Ebene</a:t>
             </a:r>
           </a:p>
           <a:p>
             <a:pPr lvl="4"/>
             <a:r>
               <a:rPr lang="de-DE" smtClean="0"/>
-              <a:t>Fifth level</a:t>
+              <a:t>Fünfte Ebene</a:t>
             </a:r>
             <a:endParaRPr lang="de-DE" dirty="0"/>
           </a:p>
@@ -1674,7 +1674,7 @@
       </p:sp>
       <p:sp>
         <p:nvSpPr>
-          <p:cNvPr id="5" name="Date Placeholder 4"/>
+          <p:cNvPr id="5" name="Datumsplatzhalter 4"/>
           <p:cNvSpPr>
             <a:spLocks noGrp="1"/>
           </p:cNvSpPr>
@@ -1697,7 +1697,7 @@
       </p:sp>
       <p:sp>
         <p:nvSpPr>
-          <p:cNvPr id="6" name="Footer Placeholder 5"/>
+          <p:cNvPr id="6" name="Fußzeilenplatzhalter 5"/>
           <p:cNvSpPr>
             <a:spLocks noGrp="1"/>
           </p:cNvSpPr>
@@ -1716,7 +1716,7 @@
       </p:sp>
       <p:sp>
         <p:nvSpPr>
-          <p:cNvPr id="7" name="Slide Number Placeholder 6"/>
+          <p:cNvPr id="7" name="Foliennummernplatzhalter 6"/>
           <p:cNvSpPr>
             <a:spLocks noGrp="1"/>
           </p:cNvSpPr>
@@ -1752,7 +1752,7 @@
 
 <file path=ppt/slideLayouts/slideLayout5.xml><?xml version="1.0" encoding="utf-8"?>
 <p:sldLayout xmlns:a="http://schemas.openxmlformats.org/drawingml/2006/main" xmlns:r="http://schemas.openxmlformats.org/officeDocument/2006/relationships" xmlns:p="http://schemas.openxmlformats.org/presentationml/2006/main" type="twoTxTwoObj" preserve="1">
-  <p:cSld name="Comparison">
+  <p:cSld name="Vergleich">
     <p:spTree>
       <p:nvGrpSpPr>
         <p:cNvPr id="1" name=""/>
@@ -1769,7 +1769,7 @@
       </p:grpSpPr>
       <p:sp>
         <p:nvSpPr>
-          <p:cNvPr id="2" name="Title 1"/>
+          <p:cNvPr id="2" name="Titel 1"/>
           <p:cNvSpPr>
             <a:spLocks noGrp="1"/>
           </p:cNvSpPr>
@@ -1789,7 +1789,7 @@
           <a:p>
             <a:r>
               <a:rPr lang="de-DE" smtClean="0"/>
-              <a:t>Click to edit Master title style</a:t>
+              <a:t>Titelmasterformat durch Klicken bearbeiten</a:t>
             </a:r>
             <a:endParaRPr lang="de-DE" dirty="0"/>
           </a:p>
@@ -1797,7 +1797,7 @@
       </p:sp>
       <p:sp>
         <p:nvSpPr>
-          <p:cNvPr id="3" name="Text Placeholder 2"/>
+          <p:cNvPr id="3" name="Textplatzhalter 2"/>
           <p:cNvSpPr>
             <a:spLocks noGrp="1"/>
           </p:cNvSpPr>
@@ -1855,14 +1855,14 @@
             <a:pPr lvl="0"/>
             <a:r>
               <a:rPr lang="de-DE" smtClean="0"/>
-              <a:t>Click to edit Master text styles</a:t>
-            </a:r>
-          </a:p>
-        </p:txBody>
-      </p:sp>
-      <p:sp>
-        <p:nvSpPr>
-          <p:cNvPr id="4" name="Content Placeholder 3"/>
+              <a:t>Textmasterformat bearbeiten</a:t>
+            </a:r>
+          </a:p>
+        </p:txBody>
+      </p:sp>
+      <p:sp>
+        <p:nvSpPr>
+          <p:cNvPr id="4" name="Inhaltsplatzhalter 3"/>
           <p:cNvSpPr>
             <a:spLocks noGrp="1"/>
           </p:cNvSpPr>
@@ -1883,7 +1883,7 @@
             <a:pPr lvl="0"/>
             <a:r>
               <a:rPr lang="de-DE" smtClean="0"/>
-              <a:t>Click to edit Master text styles</a:t>
+              <a:t>Textmasterformat bearbeiten</a:t>
             </a:r>
           </a:p>
           <a:p>
@@ -1919,7 +1919,7 @@
       </p:sp>
       <p:sp>
         <p:nvSpPr>
-          <p:cNvPr id="5" name="Text Placeholder 4"/>
+          <p:cNvPr id="5" name="Textplatzhalter 4"/>
           <p:cNvSpPr>
             <a:spLocks noGrp="1"/>
           </p:cNvSpPr>
@@ -1977,14 +1977,14 @@
             <a:pPr lvl="0"/>
             <a:r>
               <a:rPr lang="de-DE" smtClean="0"/>
-              <a:t>Click to edit Master text styles</a:t>
-            </a:r>
-          </a:p>
-        </p:txBody>
-      </p:sp>
-      <p:sp>
-        <p:nvSpPr>
-          <p:cNvPr id="6" name="Content Placeholder 5"/>
+              <a:t>Textmasterformat bearbeiten</a:t>
+            </a:r>
+          </a:p>
+        </p:txBody>
+      </p:sp>
+      <p:sp>
+        <p:nvSpPr>
+          <p:cNvPr id="6" name="Inhaltsplatzhalter 5"/>
           <p:cNvSpPr>
             <a:spLocks noGrp="1"/>
           </p:cNvSpPr>
@@ -2005,7 +2005,7 @@
             <a:pPr lvl="0"/>
             <a:r>
               <a:rPr lang="de-DE" smtClean="0"/>
-              <a:t>Click to edit Master text styles</a:t>
+              <a:t>Textmasterformat bearbeiten</a:t>
             </a:r>
           </a:p>
           <a:p>
@@ -2041,7 +2041,7 @@
       </p:sp>
       <p:sp>
         <p:nvSpPr>
-          <p:cNvPr id="7" name="Date Placeholder 6"/>
+          <p:cNvPr id="7" name="Datumsplatzhalter 6"/>
           <p:cNvSpPr>
             <a:spLocks noGrp="1"/>
           </p:cNvSpPr>
@@ -2064,7 +2064,7 @@
       </p:sp>
       <p:sp>
         <p:nvSpPr>
-          <p:cNvPr id="8" name="Footer Placeholder 7"/>
+          <p:cNvPr id="8" name="Fußzeilenplatzhalter 7"/>
           <p:cNvSpPr>
             <a:spLocks noGrp="1"/>
           </p:cNvSpPr>
@@ -2083,7 +2083,7 @@
       </p:sp>
       <p:sp>
         <p:nvSpPr>
-          <p:cNvPr id="9" name="Slide Number Placeholder 8"/>
+          <p:cNvPr id="9" name="Foliennummernplatzhalter 8"/>
           <p:cNvSpPr>
             <a:spLocks noGrp="1"/>
           </p:cNvSpPr>
@@ -2119,7 +2119,7 @@
 
 <file path=ppt/slideLayouts/slideLayout6.xml><?xml version="1.0" encoding="utf-8"?>
 <p:sldLayout xmlns:a="http://schemas.openxmlformats.org/drawingml/2006/main" xmlns:r="http://schemas.openxmlformats.org/officeDocument/2006/relationships" xmlns:p="http://schemas.openxmlformats.org/presentationml/2006/main" type="titleOnly" preserve="1">
-  <p:cSld name="Title Only">
+  <p:cSld name="Nur Titel">
     <p:spTree>
       <p:nvGrpSpPr>
         <p:cNvPr id="1" name=""/>
@@ -2136,7 +2136,7 @@
       </p:grpSpPr>
       <p:sp>
         <p:nvSpPr>
-          <p:cNvPr id="2" name="Title 1"/>
+          <p:cNvPr id="2" name="Titel 1"/>
           <p:cNvSpPr>
             <a:spLocks noGrp="1"/>
           </p:cNvSpPr>
@@ -2151,7 +2151,7 @@
           <a:p>
             <a:r>
               <a:rPr lang="de-DE" smtClean="0"/>
-              <a:t>Click to edit Master title style</a:t>
+              <a:t>Titelmasterformat durch Klicken bearbeiten</a:t>
             </a:r>
             <a:endParaRPr lang="de-DE" dirty="0"/>
           </a:p>
@@ -2159,7 +2159,7 @@
       </p:sp>
       <p:sp>
         <p:nvSpPr>
-          <p:cNvPr id="3" name="Date Placeholder 2"/>
+          <p:cNvPr id="3" name="Datumsplatzhalter 2"/>
           <p:cNvSpPr>
             <a:spLocks noGrp="1"/>
           </p:cNvSpPr>
@@ -2182,7 +2182,7 @@
       </p:sp>
       <p:sp>
         <p:nvSpPr>
-          <p:cNvPr id="4" name="Footer Placeholder 3"/>
+          <p:cNvPr id="4" name="Fußzeilenplatzhalter 3"/>
           <p:cNvSpPr>
             <a:spLocks noGrp="1"/>
           </p:cNvSpPr>
@@ -2201,7 +2201,7 @@
       </p:sp>
       <p:sp>
         <p:nvSpPr>
-          <p:cNvPr id="5" name="Slide Number Placeholder 4"/>
+          <p:cNvPr id="5" name="Foliennummernplatzhalter 4"/>
           <p:cNvSpPr>
             <a:spLocks noGrp="1"/>
           </p:cNvSpPr>
@@ -2237,7 +2237,7 @@
 
 <file path=ppt/slideLayouts/slideLayout7.xml><?xml version="1.0" encoding="utf-8"?>
 <p:sldLayout xmlns:a="http://schemas.openxmlformats.org/drawingml/2006/main" xmlns:r="http://schemas.openxmlformats.org/officeDocument/2006/relationships" xmlns:p="http://schemas.openxmlformats.org/presentationml/2006/main" type="blank" preserve="1">
-  <p:cSld name="Blank">
+  <p:cSld name="Leer">
     <p:spTree>
       <p:nvGrpSpPr>
         <p:cNvPr id="1" name=""/>
@@ -2254,7 +2254,7 @@
       </p:grpSpPr>
       <p:sp>
         <p:nvSpPr>
-          <p:cNvPr id="2" name="Date Placeholder 1"/>
+          <p:cNvPr id="2" name="Datumsplatzhalter 1"/>
           <p:cNvSpPr>
             <a:spLocks noGrp="1"/>
           </p:cNvSpPr>
@@ -2277,7 +2277,7 @@
       </p:sp>
       <p:sp>
         <p:nvSpPr>
-          <p:cNvPr id="3" name="Footer Placeholder 2"/>
+          <p:cNvPr id="3" name="Fußzeilenplatzhalter 2"/>
           <p:cNvSpPr>
             <a:spLocks noGrp="1"/>
           </p:cNvSpPr>
@@ -2296,7 +2296,7 @@
       </p:sp>
       <p:sp>
         <p:nvSpPr>
-          <p:cNvPr id="4" name="Slide Number Placeholder 3"/>
+          <p:cNvPr id="4" name="Foliennummernplatzhalter 3"/>
           <p:cNvSpPr>
             <a:spLocks noGrp="1"/>
           </p:cNvSpPr>
@@ -2332,7 +2332,7 @@
 
 <file path=ppt/slideLayouts/slideLayout8.xml><?xml version="1.0" encoding="utf-8"?>
 <p:sldLayout xmlns:a="http://schemas.openxmlformats.org/drawingml/2006/main" xmlns:r="http://schemas.openxmlformats.org/officeDocument/2006/relationships" xmlns:p="http://schemas.openxmlformats.org/presentationml/2006/main" type="objTx" preserve="1">
-  <p:cSld name="Content with Caption">
+  <p:cSld name="Inhalt mit Überschrift">
     <p:spTree>
       <p:nvGrpSpPr>
         <p:cNvPr id="1" name=""/>
@@ -2349,7 +2349,7 @@
       </p:grpSpPr>
       <p:sp>
         <p:nvSpPr>
-          <p:cNvPr id="2" name="Title 1"/>
+          <p:cNvPr id="2" name="Titel 1"/>
           <p:cNvSpPr>
             <a:spLocks noGrp="1"/>
           </p:cNvSpPr>
@@ -2373,7 +2373,7 @@
           <a:p>
             <a:r>
               <a:rPr lang="de-DE" smtClean="0"/>
-              <a:t>Click to edit Master title style</a:t>
+              <a:t>Titelmasterformat durch Klicken bearbeiten</a:t>
             </a:r>
             <a:endParaRPr lang="de-DE" dirty="0"/>
           </a:p>
@@ -2381,7 +2381,7 @@
       </p:sp>
       <p:sp>
         <p:nvSpPr>
-          <p:cNvPr id="3" name="Content Placeholder 2"/>
+          <p:cNvPr id="3" name="Inhaltsplatzhalter 2"/>
           <p:cNvSpPr>
             <a:spLocks noGrp="1"/>
           </p:cNvSpPr>
@@ -2430,35 +2430,35 @@
             <a:pPr lvl="0"/>
             <a:r>
               <a:rPr lang="de-DE" smtClean="0"/>
-              <a:t>Click to edit Master text styles</a:t>
+              <a:t>Textmasterformat bearbeiten</a:t>
             </a:r>
           </a:p>
           <a:p>
             <a:pPr lvl="1"/>
             <a:r>
               <a:rPr lang="de-DE" smtClean="0"/>
-              <a:t>Second level</a:t>
+              <a:t>Zweite Ebene</a:t>
             </a:r>
           </a:p>
           <a:p>
             <a:pPr lvl="2"/>
             <a:r>
               <a:rPr lang="de-DE" smtClean="0"/>
-              <a:t>Third level</a:t>
+              <a:t>Dritte Ebene</a:t>
             </a:r>
           </a:p>
           <a:p>
             <a:pPr lvl="3"/>
             <a:r>
               <a:rPr lang="de-DE" smtClean="0"/>
-              <a:t>Fourth level</a:t>
+              <a:t>Vierte Ebene</a:t>
             </a:r>
           </a:p>
           <a:p>
             <a:pPr lvl="4"/>
             <a:r>
               <a:rPr lang="de-DE" smtClean="0"/>
-              <a:t>Fifth level</a:t>
+              <a:t>Fünfte Ebene</a:t>
             </a:r>
             <a:endParaRPr lang="de-DE" dirty="0"/>
           </a:p>
@@ -2466,7 +2466,7 @@
       </p:sp>
       <p:sp>
         <p:nvSpPr>
-          <p:cNvPr id="4" name="Text Placeholder 3"/>
+          <p:cNvPr id="4" name="Textplatzhalter 3"/>
           <p:cNvSpPr>
             <a:spLocks noGrp="1"/>
           </p:cNvSpPr>
@@ -2524,14 +2524,14 @@
             <a:pPr lvl="0"/>
             <a:r>
               <a:rPr lang="de-DE" smtClean="0"/>
-              <a:t>Click to edit Master text styles</a:t>
-            </a:r>
-          </a:p>
-        </p:txBody>
-      </p:sp>
-      <p:sp>
-        <p:nvSpPr>
-          <p:cNvPr id="5" name="Date Placeholder 4"/>
+              <a:t>Textmasterformat bearbeiten</a:t>
+            </a:r>
+          </a:p>
+        </p:txBody>
+      </p:sp>
+      <p:sp>
+        <p:nvSpPr>
+          <p:cNvPr id="5" name="Datumsplatzhalter 4"/>
           <p:cNvSpPr>
             <a:spLocks noGrp="1"/>
           </p:cNvSpPr>
@@ -2554,7 +2554,7 @@
       </p:sp>
       <p:sp>
         <p:nvSpPr>
-          <p:cNvPr id="6" name="Footer Placeholder 5"/>
+          <p:cNvPr id="6" name="Fußzeilenplatzhalter 5"/>
           <p:cNvSpPr>
             <a:spLocks noGrp="1"/>
           </p:cNvSpPr>
@@ -2573,7 +2573,7 @@
       </p:sp>
       <p:sp>
         <p:nvSpPr>
-          <p:cNvPr id="7" name="Slide Number Placeholder 6"/>
+          <p:cNvPr id="7" name="Foliennummernplatzhalter 6"/>
           <p:cNvSpPr>
             <a:spLocks noGrp="1"/>
           </p:cNvSpPr>
@@ -2609,7 +2609,7 @@
 
 <file path=ppt/slideLayouts/slideLayout9.xml><?xml version="1.0" encoding="utf-8"?>
 <p:sldLayout xmlns:a="http://schemas.openxmlformats.org/drawingml/2006/main" xmlns:r="http://schemas.openxmlformats.org/officeDocument/2006/relationships" xmlns:p="http://schemas.openxmlformats.org/presentationml/2006/main" type="picTx" preserve="1">
-  <p:cSld name="Picture with Caption">
+  <p:cSld name="Bild mit Überschrift">
     <p:spTree>
       <p:nvGrpSpPr>
         <p:cNvPr id="1" name=""/>
@@ -2626,7 +2626,7 @@
       </p:grpSpPr>
       <p:sp>
         <p:nvSpPr>
-          <p:cNvPr id="2" name="Title 1"/>
+          <p:cNvPr id="2" name="Titel 1"/>
           <p:cNvSpPr>
             <a:spLocks noGrp="1"/>
           </p:cNvSpPr>
@@ -2650,7 +2650,7 @@
           <a:p>
             <a:r>
               <a:rPr lang="de-DE" smtClean="0"/>
-              <a:t>Click to edit Master title style</a:t>
+              <a:t>Titelmasterformat durch Klicken bearbeiten</a:t>
             </a:r>
             <a:endParaRPr lang="de-DE" dirty="0"/>
           </a:p>
@@ -2658,7 +2658,7 @@
       </p:sp>
       <p:sp>
         <p:nvSpPr>
-          <p:cNvPr id="3" name="Picture Placeholder 2"/>
+          <p:cNvPr id="3" name="Bildplatzhalter 2"/>
           <p:cNvSpPr>
             <a:spLocks noGrp="1" noChangeAspect="1"/>
           </p:cNvSpPr>
@@ -2723,7 +2723,7 @@
       </p:sp>
       <p:sp>
         <p:nvSpPr>
-          <p:cNvPr id="4" name="Text Placeholder 3"/>
+          <p:cNvPr id="4" name="Textplatzhalter 3"/>
           <p:cNvSpPr>
             <a:spLocks noGrp="1"/>
           </p:cNvSpPr>
@@ -2781,14 +2781,14 @@
             <a:pPr lvl="0"/>
             <a:r>
               <a:rPr lang="de-DE" smtClean="0"/>
-              <a:t>Click to edit Master text styles</a:t>
-            </a:r>
-          </a:p>
-        </p:txBody>
-      </p:sp>
-      <p:sp>
-        <p:nvSpPr>
-          <p:cNvPr id="5" name="Date Placeholder 4"/>
+              <a:t>Textmasterformat bearbeiten</a:t>
+            </a:r>
+          </a:p>
+        </p:txBody>
+      </p:sp>
+      <p:sp>
+        <p:nvSpPr>
+          <p:cNvPr id="5" name="Datumsplatzhalter 4"/>
           <p:cNvSpPr>
             <a:spLocks noGrp="1"/>
           </p:cNvSpPr>
@@ -2811,7 +2811,7 @@
       </p:sp>
       <p:sp>
         <p:nvSpPr>
-          <p:cNvPr id="6" name="Footer Placeholder 5"/>
+          <p:cNvPr id="6" name="Fußzeilenplatzhalter 5"/>
           <p:cNvSpPr>
             <a:spLocks noGrp="1"/>
           </p:cNvSpPr>
@@ -2830,7 +2830,7 @@
       </p:sp>
       <p:sp>
         <p:nvSpPr>
-          <p:cNvPr id="7" name="Slide Number Placeholder 6"/>
+          <p:cNvPr id="7" name="Foliennummernplatzhalter 6"/>
           <p:cNvSpPr>
             <a:spLocks noGrp="1"/>
           </p:cNvSpPr>
@@ -2888,7 +2888,7 @@
       </p:grpSpPr>
       <p:sp>
         <p:nvSpPr>
-          <p:cNvPr id="2" name="Title Placeholder 1"/>
+          <p:cNvPr id="2" name="Titelplatzhalter 1"/>
           <p:cNvSpPr>
             <a:spLocks noGrp="1"/>
           </p:cNvSpPr>
@@ -2921,7 +2921,7 @@
       </p:sp>
       <p:sp>
         <p:nvSpPr>
-          <p:cNvPr id="3" name="Text Placeholder 2"/>
+          <p:cNvPr id="3" name="Textplatzhalter 2"/>
           <p:cNvSpPr>
             <a:spLocks noGrp="1"/>
           </p:cNvSpPr>
@@ -2983,7 +2983,7 @@
       </p:sp>
       <p:sp>
         <p:nvSpPr>
-          <p:cNvPr id="4" name="Date Placeholder 3"/>
+          <p:cNvPr id="4" name="Datumsplatzhalter 3"/>
           <p:cNvSpPr>
             <a:spLocks noGrp="1"/>
           </p:cNvSpPr>
@@ -3024,7 +3024,7 @@
       </p:sp>
       <p:sp>
         <p:nvSpPr>
-          <p:cNvPr id="5" name="Footer Placeholder 4"/>
+          <p:cNvPr id="5" name="Fußzeilenplatzhalter 4"/>
           <p:cNvSpPr>
             <a:spLocks noGrp="1"/>
           </p:cNvSpPr>
@@ -3061,7 +3061,7 @@
       </p:sp>
       <p:sp>
         <p:nvSpPr>
-          <p:cNvPr id="6" name="Slide Number Placeholder 5"/>
+          <p:cNvPr id="6" name="Foliennummernplatzhalter 5"/>
           <p:cNvSpPr>
             <a:spLocks noGrp="1"/>
           </p:cNvSpPr>
@@ -3423,7 +3423,7 @@
       </p:grpSpPr>
       <p:sp>
         <p:nvSpPr>
-          <p:cNvPr id="2" name="Title 1"/>
+          <p:cNvPr id="2" name="Titel 1"/>
           <p:cNvSpPr>
             <a:spLocks noGrp="1"/>
           </p:cNvSpPr>
@@ -3442,7 +3442,7 @@
       </p:sp>
       <p:sp>
         <p:nvSpPr>
-          <p:cNvPr id="3" name="Subtitle 2"/>
+          <p:cNvPr id="3" name="Untertitel 2"/>
           <p:cNvSpPr>
             <a:spLocks noGrp="1"/>
           </p:cNvSpPr>
